--- a/231004/11_4_1 리뷰 및 개선.pptx
+++ b/231004/11_4_1 리뷰 및 개선.pptx
@@ -112,6 +112,11 @@
       </a:defRPr>
     </a:lvl9pPr>
   </p:defaultTextStyle>
+  <p:extLst>
+    <p:ext uri="{EFAFB233-063F-42B5-8137-9DF3F51BA10A}">
+      <p15:sldGuideLst xmlns:p15="http://schemas.microsoft.com/office/powerpoint/2012/main"/>
+    </p:ext>
+  </p:extLst>
 </p:presentation>
 </file>
 
@@ -262,7 +267,7 @@
           <a:p>
             <a:fld id="{DAA8ED02-6681-4829-A21E-55F3682B07CE}" type="datetimeFigureOut">
               <a:rPr lang="ko-KR" altLang="en-US" smtClean="0"/>
-              <a:t>2023-10-04</a:t>
+              <a:t>2023-10-11</a:t>
             </a:fld>
             <a:endParaRPr lang="ko-KR" altLang="en-US"/>
           </a:p>
@@ -460,7 +465,7 @@
           <a:p>
             <a:fld id="{DAA8ED02-6681-4829-A21E-55F3682B07CE}" type="datetimeFigureOut">
               <a:rPr lang="ko-KR" altLang="en-US" smtClean="0"/>
-              <a:t>2023-10-04</a:t>
+              <a:t>2023-10-11</a:t>
             </a:fld>
             <a:endParaRPr lang="ko-KR" altLang="en-US"/>
           </a:p>
@@ -668,7 +673,7 @@
           <a:p>
             <a:fld id="{DAA8ED02-6681-4829-A21E-55F3682B07CE}" type="datetimeFigureOut">
               <a:rPr lang="ko-KR" altLang="en-US" smtClean="0"/>
-              <a:t>2023-10-04</a:t>
+              <a:t>2023-10-11</a:t>
             </a:fld>
             <a:endParaRPr lang="ko-KR" altLang="en-US"/>
           </a:p>
@@ -866,7 +871,7 @@
           <a:p>
             <a:fld id="{DAA8ED02-6681-4829-A21E-55F3682B07CE}" type="datetimeFigureOut">
               <a:rPr lang="ko-KR" altLang="en-US" smtClean="0"/>
-              <a:t>2023-10-04</a:t>
+              <a:t>2023-10-11</a:t>
             </a:fld>
             <a:endParaRPr lang="ko-KR" altLang="en-US"/>
           </a:p>
@@ -1141,7 +1146,7 @@
           <a:p>
             <a:fld id="{DAA8ED02-6681-4829-A21E-55F3682B07CE}" type="datetimeFigureOut">
               <a:rPr lang="ko-KR" altLang="en-US" smtClean="0"/>
-              <a:t>2023-10-04</a:t>
+              <a:t>2023-10-11</a:t>
             </a:fld>
             <a:endParaRPr lang="ko-KR" altLang="en-US"/>
           </a:p>
@@ -1406,7 +1411,7 @@
           <a:p>
             <a:fld id="{DAA8ED02-6681-4829-A21E-55F3682B07CE}" type="datetimeFigureOut">
               <a:rPr lang="ko-KR" altLang="en-US" smtClean="0"/>
-              <a:t>2023-10-04</a:t>
+              <a:t>2023-10-11</a:t>
             </a:fld>
             <a:endParaRPr lang="ko-KR" altLang="en-US"/>
           </a:p>
@@ -1818,7 +1823,7 @@
           <a:p>
             <a:fld id="{DAA8ED02-6681-4829-A21E-55F3682B07CE}" type="datetimeFigureOut">
               <a:rPr lang="ko-KR" altLang="en-US" smtClean="0"/>
-              <a:t>2023-10-04</a:t>
+              <a:t>2023-10-11</a:t>
             </a:fld>
             <a:endParaRPr lang="ko-KR" altLang="en-US"/>
           </a:p>
@@ -1959,7 +1964,7 @@
           <a:p>
             <a:fld id="{DAA8ED02-6681-4829-A21E-55F3682B07CE}" type="datetimeFigureOut">
               <a:rPr lang="ko-KR" altLang="en-US" smtClean="0"/>
-              <a:t>2023-10-04</a:t>
+              <a:t>2023-10-11</a:t>
             </a:fld>
             <a:endParaRPr lang="ko-KR" altLang="en-US"/>
           </a:p>
@@ -2072,7 +2077,7 @@
           <a:p>
             <a:fld id="{DAA8ED02-6681-4829-A21E-55F3682B07CE}" type="datetimeFigureOut">
               <a:rPr lang="ko-KR" altLang="en-US" smtClean="0"/>
-              <a:t>2023-10-04</a:t>
+              <a:t>2023-10-11</a:t>
             </a:fld>
             <a:endParaRPr lang="ko-KR" altLang="en-US"/>
           </a:p>
@@ -2383,7 +2388,7 @@
           <a:p>
             <a:fld id="{DAA8ED02-6681-4829-A21E-55F3682B07CE}" type="datetimeFigureOut">
               <a:rPr lang="ko-KR" altLang="en-US" smtClean="0"/>
-              <a:t>2023-10-04</a:t>
+              <a:t>2023-10-11</a:t>
             </a:fld>
             <a:endParaRPr lang="ko-KR" altLang="en-US"/>
           </a:p>
@@ -2671,7 +2676,7 @@
           <a:p>
             <a:fld id="{DAA8ED02-6681-4829-A21E-55F3682B07CE}" type="datetimeFigureOut">
               <a:rPr lang="ko-KR" altLang="en-US" smtClean="0"/>
-              <a:t>2023-10-04</a:t>
+              <a:t>2023-10-11</a:t>
             </a:fld>
             <a:endParaRPr lang="ko-KR" altLang="en-US"/>
           </a:p>
@@ -2912,7 +2917,7 @@
           <a:p>
             <a:fld id="{DAA8ED02-6681-4829-A21E-55F3682B07CE}" type="datetimeFigureOut">
               <a:rPr lang="ko-KR" altLang="en-US" smtClean="0"/>
-              <a:t>2023-10-04</a:t>
+              <a:t>2023-10-11</a:t>
             </a:fld>
             <a:endParaRPr lang="ko-KR" altLang="en-US"/>
           </a:p>
@@ -3863,8 +3868,16 @@
               <a:t>(</a:t>
             </a:r>
             <a:r>
+              <a:rPr lang="ko-KR" altLang="en-US" dirty="0" err="1"/>
+              <a:t>인트로</a:t>
+            </a:r>
+            <a:r>
+              <a:rPr lang="en-US" altLang="ko-KR" dirty="0"/>
+              <a:t>, </a:t>
+            </a:r>
+            <a:r>
               <a:rPr lang="ko-KR" altLang="en-US" dirty="0"/>
-              <a:t>입력 검증 추가</a:t>
+              <a:t>입력검증 추가</a:t>
             </a:r>
             <a:r>
               <a:rPr lang="en-US" altLang="ko-KR" dirty="0"/>
@@ -4154,7 +4167,7 @@
         </p:blipFill>
         <p:spPr>
           <a:xfrm>
-            <a:off x="872491" y="2362200"/>
+            <a:off x="737020" y="3857576"/>
             <a:ext cx="4383560" cy="1485953"/>
           </a:xfrm>
           <a:prstGeom prst="rect">
@@ -4176,22 +4189,129 @@
           </p:cNvPicPr>
           <p:nvPr/>
         </p:nvPicPr>
+        <p:blipFill rotWithShape="1">
+          <a:blip r:embed="rId3"/>
+          <a:srcRect t="5163"/>
+          <a:stretch/>
+        </p:blipFill>
+        <p:spPr>
+          <a:xfrm>
+            <a:off x="7078610" y="2996108"/>
+            <a:ext cx="4275190" cy="3208890"/>
+          </a:xfrm>
+          <a:prstGeom prst="rect">
+            <a:avLst/>
+          </a:prstGeom>
+        </p:spPr>
+      </p:pic>
+      <p:pic>
+        <p:nvPicPr>
+          <p:cNvPr id="4" name="그림 3">
+            <a:extLst>
+              <a:ext uri="{FF2B5EF4-FFF2-40B4-BE49-F238E27FC236}">
+                <a16:creationId xmlns:a16="http://schemas.microsoft.com/office/drawing/2014/main" id="{66069A15-DB38-59FF-C8FF-2871ECA71EBD}"/>
+              </a:ext>
+            </a:extLst>
+          </p:cNvPr>
+          <p:cNvPicPr>
+            <a:picLocks noChangeAspect="1"/>
+          </p:cNvPicPr>
+          <p:nvPr/>
+        </p:nvPicPr>
         <p:blipFill>
-          <a:blip r:embed="rId3"/>
+          <a:blip r:embed="rId4"/>
           <a:stretch>
             <a:fillRect/>
           </a:stretch>
         </p:blipFill>
         <p:spPr>
           <a:xfrm>
-            <a:off x="6663505" y="1737213"/>
-            <a:ext cx="4275190" cy="3383573"/>
+            <a:off x="737020" y="1511753"/>
+            <a:ext cx="6057900" cy="1148351"/>
           </a:xfrm>
           <a:prstGeom prst="rect">
             <a:avLst/>
           </a:prstGeom>
         </p:spPr>
       </p:pic>
+      <p:cxnSp>
+        <p:nvCxnSpPr>
+          <p:cNvPr id="8" name="직선 화살표 연결선 7">
+            <a:extLst>
+              <a:ext uri="{FF2B5EF4-FFF2-40B4-BE49-F238E27FC236}">
+                <a16:creationId xmlns:a16="http://schemas.microsoft.com/office/drawing/2014/main" id="{74982AF4-D14B-1AFE-B22C-B5CA7EEDD792}"/>
+              </a:ext>
+            </a:extLst>
+          </p:cNvPr>
+          <p:cNvCxnSpPr/>
+          <p:nvPr/>
+        </p:nvCxnSpPr>
+        <p:spPr>
+          <a:xfrm>
+            <a:off x="3305175" y="2837316"/>
+            <a:ext cx="0" cy="839334"/>
+          </a:xfrm>
+          <a:prstGeom prst="straightConnector1">
+            <a:avLst/>
+          </a:prstGeom>
+          <a:ln>
+            <a:tailEnd type="triangle"/>
+          </a:ln>
+        </p:spPr>
+        <p:style>
+          <a:lnRef idx="1">
+            <a:schemeClr val="accent1"/>
+          </a:lnRef>
+          <a:fillRef idx="0">
+            <a:schemeClr val="accent1"/>
+          </a:fillRef>
+          <a:effectRef idx="0">
+            <a:schemeClr val="accent1"/>
+          </a:effectRef>
+          <a:fontRef idx="minor">
+            <a:schemeClr val="tx1"/>
+          </a:fontRef>
+        </p:style>
+      </p:cxnSp>
+      <p:cxnSp>
+        <p:nvCxnSpPr>
+          <p:cNvPr id="10" name="직선 화살표 연결선 9">
+            <a:extLst>
+              <a:ext uri="{FF2B5EF4-FFF2-40B4-BE49-F238E27FC236}">
+                <a16:creationId xmlns:a16="http://schemas.microsoft.com/office/drawing/2014/main" id="{64469D29-CA53-B437-21BC-C8A09AC26303}"/>
+              </a:ext>
+            </a:extLst>
+          </p:cNvPr>
+          <p:cNvCxnSpPr/>
+          <p:nvPr/>
+        </p:nvCxnSpPr>
+        <p:spPr>
+          <a:xfrm>
+            <a:off x="5346441" y="4600552"/>
+            <a:ext cx="1448479" cy="0"/>
+          </a:xfrm>
+          <a:prstGeom prst="straightConnector1">
+            <a:avLst/>
+          </a:prstGeom>
+          <a:ln>
+            <a:tailEnd type="triangle"/>
+          </a:ln>
+        </p:spPr>
+        <p:style>
+          <a:lnRef idx="1">
+            <a:schemeClr val="accent1"/>
+          </a:lnRef>
+          <a:fillRef idx="0">
+            <a:schemeClr val="accent1"/>
+          </a:fillRef>
+          <a:effectRef idx="0">
+            <a:schemeClr val="accent1"/>
+          </a:effectRef>
+          <a:fontRef idx="minor">
+            <a:schemeClr val="tx1"/>
+          </a:fontRef>
+        </p:style>
+      </p:cxnSp>
     </p:spTree>
     <p:extLst>
       <p:ext uri="{BB962C8B-B14F-4D97-AF65-F5344CB8AC3E}">
